--- a/template/gpstemplate.pptx
+++ b/template/gpstemplate.pptx
@@ -710,7 +710,7 @@
         </p:nvSpPr>
         <p:spPr>
           <a:xfrm>
-            <a:off x="588963" y="1011238"/>
+            <a:off x="592138" y="1171218"/>
             <a:ext cx="11014075" cy="430887"/>
           </a:xfrm>
         </p:spPr>
